--- a/Hackathon Blockchain bis.pptx
+++ b/Hackathon Blockchain bis.pptx
@@ -5,10 +5,10 @@
     <p:sldMasterId id="2147483648" r:id="rId1"/>
   </p:sldMasterIdLst>
   <p:notesMasterIdLst>
-    <p:notesMasterId r:id="rId17"/>
+    <p:notesMasterId r:id="rId12"/>
   </p:notesMasterIdLst>
   <p:handoutMasterIdLst>
-    <p:handoutMasterId r:id="rId18"/>
+    <p:handoutMasterId r:id="rId13"/>
   </p:handoutMasterIdLst>
   <p:sldIdLst>
     <p:sldId id="377" r:id="rId2"/>
@@ -17,15 +17,10 @@
     <p:sldId id="361" r:id="rId5"/>
     <p:sldId id="362" r:id="rId6"/>
     <p:sldId id="283" r:id="rId7"/>
-    <p:sldId id="381" r:id="rId8"/>
-    <p:sldId id="331" r:id="rId9"/>
-    <p:sldId id="341" r:id="rId10"/>
-    <p:sldId id="352" r:id="rId11"/>
-    <p:sldId id="354" r:id="rId12"/>
-    <p:sldId id="356" r:id="rId13"/>
-    <p:sldId id="363" r:id="rId14"/>
-    <p:sldId id="380" r:id="rId15"/>
-    <p:sldId id="378" r:id="rId16"/>
+    <p:sldId id="331" r:id="rId8"/>
+    <p:sldId id="341" r:id="rId9"/>
+    <p:sldId id="381" r:id="rId10"/>
+    <p:sldId id="378" r:id="rId11"/>
   </p:sldIdLst>
   <p:sldSz cx="12192000" cy="6858000"/>
   <p:notesSz cx="9388475" cy="7102475"/>
@@ -135,14 +130,9 @@
             <p14:sldId id="361"/>
             <p14:sldId id="362"/>
             <p14:sldId id="283"/>
-            <p14:sldId id="381"/>
             <p14:sldId id="331"/>
             <p14:sldId id="341"/>
-            <p14:sldId id="352"/>
-            <p14:sldId id="354"/>
-            <p14:sldId id="356"/>
-            <p14:sldId id="363"/>
-            <p14:sldId id="380"/>
+            <p14:sldId id="381"/>
           </p14:sldIdLst>
         </p14:section>
         <p14:section name="THANK YOU" id="{6CD91DAB-8EC3-4802-89E9-0F1C7022FB28}">
@@ -1176,7 +1166,7 @@
                 <a:tabLst/>
                 <a:defRPr/>
               </a:pPr>
-              <a:t>11/25/2017 11:11 AM</a:t>
+              <a:t>11/25/2017 12:09 PM</a:t>
             </a:fld>
             <a:endParaRPr kumimoji="0" lang="en-US" sz="1800" b="0" i="0" u="none" strike="noStrike" kern="0" cap="none" spc="0" normalizeH="0" baseline="0" noProof="0" dirty="0">
               <a:ln>
@@ -1253,7 +1243,7 @@
                 <a:tabLst/>
                 <a:defRPr/>
               </a:pPr>
-              <a:t>8</a:t>
+              <a:t>7</a:t>
             </a:fld>
             <a:endParaRPr kumimoji="0" lang="en-US" sz="1800" b="0" i="0" u="none" strike="noStrike" kern="0" cap="none" spc="0" normalizeH="0" baseline="0" noProof="0" dirty="0">
               <a:ln>
@@ -1273,598 +1263,6 @@
     <p:extLst>
       <p:ext uri="{BB962C8B-B14F-4D97-AF65-F5344CB8AC3E}">
         <p14:creationId xmlns:p14="http://schemas.microsoft.com/office/powerpoint/2010/main" val="1540269837"/>
-      </p:ext>
-    </p:extLst>
-  </p:cSld>
-  <p:clrMapOvr>
-    <a:masterClrMapping/>
-  </p:clrMapOvr>
-</p:notes>
-</file>
-
-<file path=ppt/notesSlides/notesSlide5.xml><?xml version="1.0" encoding="utf-8"?>
-<p:notes xmlns:a="http://schemas.openxmlformats.org/drawingml/2006/main" xmlns:r="http://schemas.openxmlformats.org/officeDocument/2006/relationships" xmlns:p="http://schemas.openxmlformats.org/presentationml/2006/main">
-  <p:cSld>
-    <p:spTree>
-      <p:nvGrpSpPr>
-        <p:cNvPr id="1" name=""/>
-        <p:cNvGrpSpPr/>
-        <p:nvPr/>
-      </p:nvGrpSpPr>
-      <p:grpSpPr>
-        <a:xfrm>
-          <a:off x="0" y="0"/>
-          <a:ext cx="0" cy="0"/>
-          <a:chOff x="0" y="0"/>
-          <a:chExt cx="0" cy="0"/>
-        </a:xfrm>
-      </p:grpSpPr>
-      <p:sp>
-        <p:nvSpPr>
-          <p:cNvPr id="2" name="Slide Image Placeholder 1"/>
-          <p:cNvSpPr>
-            <a:spLocks noGrp="1" noRot="1" noChangeAspect="1"/>
-          </p:cNvSpPr>
-          <p:nvPr>
-            <p:ph type="sldImg"/>
-          </p:nvPr>
-        </p:nvSpPr>
-        <p:spPr/>
-      </p:sp>
-      <p:sp>
-        <p:nvSpPr>
-          <p:cNvPr id="3" name="Notes Placeholder 2"/>
-          <p:cNvSpPr>
-            <a:spLocks noGrp="1"/>
-          </p:cNvSpPr>
-          <p:nvPr>
-            <p:ph type="body" idx="1"/>
-          </p:nvPr>
-        </p:nvSpPr>
-        <p:spPr/>
-        <p:txBody>
-          <a:bodyPr/>
-          <a:lstStyle/>
-          <a:p>
-            <a:pPr algn="l"/>
-            <a:r>
-              <a:rPr lang="en-US" b="1" dirty="0"/>
-              <a:t>Tip:</a:t>
-            </a:r>
-          </a:p>
-          <a:p>
-            <a:pPr algn="l"/>
-            <a:r>
-              <a:rPr lang="en-US" dirty="0"/>
-              <a:t>When using complex image as full-bleed background add a transparency (70%-90%) fill layer to give contrast to text. </a:t>
-            </a:r>
-          </a:p>
-        </p:txBody>
-      </p:sp>
-      <p:sp>
-        <p:nvSpPr>
-          <p:cNvPr id="4" name="Slide Number Placeholder 3"/>
-          <p:cNvSpPr>
-            <a:spLocks noGrp="1"/>
-          </p:cNvSpPr>
-          <p:nvPr>
-            <p:ph type="sldNum" sz="quarter" idx="10"/>
-          </p:nvPr>
-        </p:nvSpPr>
-        <p:spPr/>
-        <p:txBody>
-          <a:bodyPr/>
-          <a:lstStyle/>
-          <a:p>
-            <a:fld id="{4CBCEA92-F142-4D57-B507-37BDAF44710C}" type="slidenum">
-              <a:rPr lang="en-US" smtClean="0"/>
-              <a:t>10</a:t>
-            </a:fld>
-            <a:endParaRPr lang="en-US"/>
-          </a:p>
-        </p:txBody>
-      </p:sp>
-    </p:spTree>
-    <p:extLst>
-      <p:ext uri="{BB962C8B-B14F-4D97-AF65-F5344CB8AC3E}">
-        <p14:creationId xmlns:p14="http://schemas.microsoft.com/office/powerpoint/2010/main" val="136205948"/>
-      </p:ext>
-    </p:extLst>
-  </p:cSld>
-  <p:clrMapOvr>
-    <a:masterClrMapping/>
-  </p:clrMapOvr>
-</p:notes>
-</file>
-
-<file path=ppt/notesSlides/notesSlide6.xml><?xml version="1.0" encoding="utf-8"?>
-<p:notes xmlns:a="http://schemas.openxmlformats.org/drawingml/2006/main" xmlns:r="http://schemas.openxmlformats.org/officeDocument/2006/relationships" xmlns:p="http://schemas.openxmlformats.org/presentationml/2006/main">
-  <p:cSld>
-    <p:spTree>
-      <p:nvGrpSpPr>
-        <p:cNvPr id="1" name=""/>
-        <p:cNvGrpSpPr/>
-        <p:nvPr/>
-      </p:nvGrpSpPr>
-      <p:grpSpPr>
-        <a:xfrm>
-          <a:off x="0" y="0"/>
-          <a:ext cx="0" cy="0"/>
-          <a:chOff x="0" y="0"/>
-          <a:chExt cx="0" cy="0"/>
-        </a:xfrm>
-      </p:grpSpPr>
-      <p:sp>
-        <p:nvSpPr>
-          <p:cNvPr id="2" name="Slide Image Placeholder 1"/>
-          <p:cNvSpPr>
-            <a:spLocks noGrp="1" noRot="1" noChangeAspect="1"/>
-          </p:cNvSpPr>
-          <p:nvPr>
-            <p:ph type="sldImg"/>
-          </p:nvPr>
-        </p:nvSpPr>
-        <p:spPr/>
-      </p:sp>
-      <p:sp>
-        <p:nvSpPr>
-          <p:cNvPr id="3" name="Notes Placeholder 2"/>
-          <p:cNvSpPr>
-            <a:spLocks noGrp="1"/>
-          </p:cNvSpPr>
-          <p:nvPr>
-            <p:ph type="body" idx="1"/>
-          </p:nvPr>
-        </p:nvSpPr>
-        <p:spPr/>
-        <p:txBody>
-          <a:bodyPr/>
-          <a:lstStyle/>
-          <a:p>
-            <a:endParaRPr lang="en-US" dirty="0"/>
-          </a:p>
-        </p:txBody>
-      </p:sp>
-      <p:sp>
-        <p:nvSpPr>
-          <p:cNvPr id="4" name="Header Placeholder 3"/>
-          <p:cNvSpPr>
-            <a:spLocks noGrp="1"/>
-          </p:cNvSpPr>
-          <p:nvPr>
-            <p:ph type="hdr" sz="quarter" idx="10"/>
-          </p:nvPr>
-        </p:nvSpPr>
-        <p:spPr/>
-        <p:txBody>
-          <a:bodyPr/>
-          <a:lstStyle/>
-          <a:p>
-            <a:pPr marL="0" marR="0" lvl="0" indent="0" defTabSz="914400" eaLnBrk="1" fontAlgn="auto" latinLnBrk="0" hangingPunct="1">
-              <a:lnSpc>
-                <a:spcPct val="100000"/>
-              </a:lnSpc>
-              <a:spcBef>
-                <a:spcPts val="0"/>
-              </a:spcBef>
-              <a:spcAft>
-                <a:spcPts val="0"/>
-              </a:spcAft>
-              <a:buClrTx/>
-              <a:buSzTx/>
-              <a:buFontTx/>
-              <a:buNone/>
-              <a:tabLst/>
-              <a:defRPr/>
-            </a:pPr>
-            <a:endParaRPr kumimoji="0" lang="en-US" sz="1800" b="0" i="0" u="none" strike="noStrike" kern="0" cap="none" spc="0" normalizeH="0" baseline="0" noProof="0" dirty="0">
-              <a:ln>
-                <a:noFill/>
-              </a:ln>
-              <a:solidFill>
-                <a:sysClr val="windowText" lastClr="000000"/>
-              </a:solidFill>
-              <a:effectLst/>
-              <a:uLnTx/>
-              <a:uFillTx/>
-            </a:endParaRPr>
-          </a:p>
-        </p:txBody>
-      </p:sp>
-      <p:sp>
-        <p:nvSpPr>
-          <p:cNvPr id="5" name="Footer Placeholder 4"/>
-          <p:cNvSpPr>
-            <a:spLocks noGrp="1"/>
-          </p:cNvSpPr>
-          <p:nvPr>
-            <p:ph type="ftr" sz="quarter" idx="11"/>
-          </p:nvPr>
-        </p:nvSpPr>
-        <p:spPr/>
-        <p:txBody>
-          <a:bodyPr/>
-          <a:lstStyle/>
-          <a:p>
-            <a:pPr marL="0" marR="0" lvl="0" indent="0" defTabSz="914099" eaLnBrk="0" fontAlgn="auto" latinLnBrk="0" hangingPunct="0">
-              <a:lnSpc>
-                <a:spcPct val="100000"/>
-              </a:lnSpc>
-              <a:spcBef>
-                <a:spcPts val="0"/>
-              </a:spcBef>
-              <a:spcAft>
-                <a:spcPts val="0"/>
-              </a:spcAft>
-              <a:buClrTx/>
-              <a:buSzTx/>
-              <a:buFontTx/>
-              <a:buNone/>
-              <a:tabLst/>
-              <a:defRPr/>
-            </a:pPr>
-            <a:r>
-              <a:rPr kumimoji="0" lang="en-US" sz="400" b="0" i="0" u="none" strike="noStrike" kern="0" cap="none" spc="0" normalizeH="0" baseline="0" noProof="0" dirty="0">
-                <a:ln>
-                  <a:noFill/>
-                </a:ln>
-                <a:gradFill>
-                  <a:gsLst>
-                    <a:gs pos="0">
-                      <a:prstClr val="black"/>
-                    </a:gs>
-                    <a:gs pos="100000">
-                      <a:prstClr val="black"/>
-                    </a:gs>
-                  </a:gsLst>
-                  <a:lin ang="5400000" scaled="0"/>
-                </a:gradFill>
-                <a:effectLst/>
-                <a:uLnTx/>
-                <a:uFillTx/>
-                <a:latin typeface="Segoe UI" pitchFamily="34" charset="0"/>
-                <a:ea typeface="Segoe UI" pitchFamily="34" charset="0"/>
-                <a:cs typeface="Segoe UI" pitchFamily="34" charset="0"/>
-              </a:rPr>
-              <a:t>© 2014 Microsoft Corporation. All rights reserved. MICROSOFT MAKES NO WARRANTIES, EXPRESS, IMPLIED OR STATUTORY, AS TO THE INFORMATION IN THIS PRESENTATION.</a:t>
-            </a:r>
-          </a:p>
-        </p:txBody>
-      </p:sp>
-      <p:sp>
-        <p:nvSpPr>
-          <p:cNvPr id="6" name="Date Placeholder 5"/>
-          <p:cNvSpPr>
-            <a:spLocks noGrp="1"/>
-          </p:cNvSpPr>
-          <p:nvPr>
-            <p:ph type="dt" idx="12"/>
-          </p:nvPr>
-        </p:nvSpPr>
-        <p:spPr/>
-        <p:txBody>
-          <a:bodyPr/>
-          <a:lstStyle/>
-          <a:p>
-            <a:pPr marL="0" marR="0" lvl="0" indent="0" defTabSz="914400" eaLnBrk="1" fontAlgn="auto" latinLnBrk="0" hangingPunct="1">
-              <a:lnSpc>
-                <a:spcPct val="100000"/>
-              </a:lnSpc>
-              <a:spcBef>
-                <a:spcPts val="0"/>
-              </a:spcBef>
-              <a:spcAft>
-                <a:spcPts val="0"/>
-              </a:spcAft>
-              <a:buClrTx/>
-              <a:buSzTx/>
-              <a:buFontTx/>
-              <a:buNone/>
-              <a:tabLst/>
-              <a:defRPr/>
-            </a:pPr>
-            <a:fld id="{23A5C127-CB05-47B6-8D1E-7BC74A68F508}" type="datetime8">
-              <a:rPr kumimoji="0" lang="en-US" sz="1800" b="0" i="0" u="none" strike="noStrike" kern="0" cap="none" spc="0" normalizeH="0" baseline="0" noProof="0" smtClean="0">
-                <a:ln>
-                  <a:noFill/>
-                </a:ln>
-                <a:solidFill>
-                  <a:sysClr val="windowText" lastClr="000000"/>
-                </a:solidFill>
-                <a:effectLst/>
-                <a:uLnTx/>
-                <a:uFillTx/>
-              </a:rPr>
-              <a:pPr marL="0" marR="0" lvl="0" indent="0" defTabSz="914400" eaLnBrk="1" fontAlgn="auto" latinLnBrk="0" hangingPunct="1">
-                <a:lnSpc>
-                  <a:spcPct val="100000"/>
-                </a:lnSpc>
-                <a:spcBef>
-                  <a:spcPts val="0"/>
-                </a:spcBef>
-                <a:spcAft>
-                  <a:spcPts val="0"/>
-                </a:spcAft>
-                <a:buClrTx/>
-                <a:buSzTx/>
-                <a:buFontTx/>
-                <a:buNone/>
-                <a:tabLst/>
-                <a:defRPr/>
-              </a:pPr>
-              <a:t>11/25/2017 11:11 AM</a:t>
-            </a:fld>
-            <a:endParaRPr kumimoji="0" lang="en-US" sz="1800" b="0" i="0" u="none" strike="noStrike" kern="0" cap="none" spc="0" normalizeH="0" baseline="0" noProof="0" dirty="0">
-              <a:ln>
-                <a:noFill/>
-              </a:ln>
-              <a:solidFill>
-                <a:sysClr val="windowText" lastClr="000000"/>
-              </a:solidFill>
-              <a:effectLst/>
-              <a:uLnTx/>
-              <a:uFillTx/>
-            </a:endParaRPr>
-          </a:p>
-        </p:txBody>
-      </p:sp>
-      <p:sp>
-        <p:nvSpPr>
-          <p:cNvPr id="7" name="Slide Number Placeholder 6"/>
-          <p:cNvSpPr>
-            <a:spLocks noGrp="1"/>
-          </p:cNvSpPr>
-          <p:nvPr>
-            <p:ph type="sldNum" sz="quarter" idx="13"/>
-          </p:nvPr>
-        </p:nvSpPr>
-        <p:spPr/>
-        <p:txBody>
-          <a:bodyPr/>
-          <a:lstStyle/>
-          <a:p>
-            <a:pPr marL="0" marR="0" lvl="0" indent="0" defTabSz="914400" eaLnBrk="1" fontAlgn="auto" latinLnBrk="0" hangingPunct="1">
-              <a:lnSpc>
-                <a:spcPct val="100000"/>
-              </a:lnSpc>
-              <a:spcBef>
-                <a:spcPts val="0"/>
-              </a:spcBef>
-              <a:spcAft>
-                <a:spcPts val="0"/>
-              </a:spcAft>
-              <a:buClrTx/>
-              <a:buSzTx/>
-              <a:buFontTx/>
-              <a:buNone/>
-              <a:tabLst/>
-              <a:defRPr/>
-            </a:pPr>
-            <a:fld id="{B4008EB6-D09E-4580-8CD6-DDB14511944F}" type="slidenum">
-              <a:rPr kumimoji="0" lang="en-US" sz="1800" b="0" i="0" u="none" strike="noStrike" kern="0" cap="none" spc="0" normalizeH="0" baseline="0" noProof="0" smtClean="0">
-                <a:ln>
-                  <a:noFill/>
-                </a:ln>
-                <a:solidFill>
-                  <a:sysClr val="windowText" lastClr="000000"/>
-                </a:solidFill>
-                <a:effectLst/>
-                <a:uLnTx/>
-                <a:uFillTx/>
-              </a:rPr>
-              <a:pPr marL="0" marR="0" lvl="0" indent="0" defTabSz="914400" eaLnBrk="1" fontAlgn="auto" latinLnBrk="0" hangingPunct="1">
-                <a:lnSpc>
-                  <a:spcPct val="100000"/>
-                </a:lnSpc>
-                <a:spcBef>
-                  <a:spcPts val="0"/>
-                </a:spcBef>
-                <a:spcAft>
-                  <a:spcPts val="0"/>
-                </a:spcAft>
-                <a:buClrTx/>
-                <a:buSzTx/>
-                <a:buFontTx/>
-                <a:buNone/>
-                <a:tabLst/>
-                <a:defRPr/>
-              </a:pPr>
-              <a:t>11</a:t>
-            </a:fld>
-            <a:endParaRPr kumimoji="0" lang="en-US" sz="1800" b="0" i="0" u="none" strike="noStrike" kern="0" cap="none" spc="0" normalizeH="0" baseline="0" noProof="0" dirty="0">
-              <a:ln>
-                <a:noFill/>
-              </a:ln>
-              <a:solidFill>
-                <a:sysClr val="windowText" lastClr="000000"/>
-              </a:solidFill>
-              <a:effectLst/>
-              <a:uLnTx/>
-              <a:uFillTx/>
-            </a:endParaRPr>
-          </a:p>
-        </p:txBody>
-      </p:sp>
-    </p:spTree>
-    <p:extLst>
-      <p:ext uri="{BB962C8B-B14F-4D97-AF65-F5344CB8AC3E}">
-        <p14:creationId xmlns:p14="http://schemas.microsoft.com/office/powerpoint/2010/main" val="2297713195"/>
-      </p:ext>
-    </p:extLst>
-  </p:cSld>
-  <p:clrMapOvr>
-    <a:masterClrMapping/>
-  </p:clrMapOvr>
-</p:notes>
-</file>
-
-<file path=ppt/notesSlides/notesSlide7.xml><?xml version="1.0" encoding="utf-8"?>
-<p:notes xmlns:a="http://schemas.openxmlformats.org/drawingml/2006/main" xmlns:r="http://schemas.openxmlformats.org/officeDocument/2006/relationships" xmlns:p="http://schemas.openxmlformats.org/presentationml/2006/main">
-  <p:cSld>
-    <p:spTree>
-      <p:nvGrpSpPr>
-        <p:cNvPr id="1" name=""/>
-        <p:cNvGrpSpPr/>
-        <p:nvPr/>
-      </p:nvGrpSpPr>
-      <p:grpSpPr>
-        <a:xfrm>
-          <a:off x="0" y="0"/>
-          <a:ext cx="0" cy="0"/>
-          <a:chOff x="0" y="0"/>
-          <a:chExt cx="0" cy="0"/>
-        </a:xfrm>
-      </p:grpSpPr>
-      <p:sp>
-        <p:nvSpPr>
-          <p:cNvPr id="2" name="Slide Image Placeholder 1"/>
-          <p:cNvSpPr>
-            <a:spLocks noGrp="1" noRot="1" noChangeAspect="1"/>
-          </p:cNvSpPr>
-          <p:nvPr>
-            <p:ph type="sldImg"/>
-          </p:nvPr>
-        </p:nvSpPr>
-        <p:spPr/>
-      </p:sp>
-      <p:sp>
-        <p:nvSpPr>
-          <p:cNvPr id="3" name="Notes Placeholder 2"/>
-          <p:cNvSpPr>
-            <a:spLocks noGrp="1"/>
-          </p:cNvSpPr>
-          <p:nvPr>
-            <p:ph type="body" idx="1"/>
-          </p:nvPr>
-        </p:nvSpPr>
-        <p:spPr/>
-        <p:txBody>
-          <a:bodyPr/>
-          <a:lstStyle/>
-          <a:p>
-            <a:endParaRPr lang="en-US" dirty="0"/>
-          </a:p>
-        </p:txBody>
-      </p:sp>
-      <p:sp>
-        <p:nvSpPr>
-          <p:cNvPr id="4" name="Slide Number Placeholder 3"/>
-          <p:cNvSpPr>
-            <a:spLocks noGrp="1"/>
-          </p:cNvSpPr>
-          <p:nvPr>
-            <p:ph type="sldNum" sz="quarter" idx="10"/>
-          </p:nvPr>
-        </p:nvSpPr>
-        <p:spPr/>
-        <p:txBody>
-          <a:bodyPr/>
-          <a:lstStyle/>
-          <a:p>
-            <a:fld id="{4CBCEA92-F142-4D57-B507-37BDAF44710C}" type="slidenum">
-              <a:rPr lang="en-US" smtClean="0"/>
-              <a:t>12</a:t>
-            </a:fld>
-            <a:endParaRPr lang="en-US"/>
-          </a:p>
-        </p:txBody>
-      </p:sp>
-    </p:spTree>
-    <p:extLst>
-      <p:ext uri="{BB962C8B-B14F-4D97-AF65-F5344CB8AC3E}">
-        <p14:creationId xmlns:p14="http://schemas.microsoft.com/office/powerpoint/2010/main" val="1189618860"/>
-      </p:ext>
-    </p:extLst>
-  </p:cSld>
-  <p:clrMapOvr>
-    <a:masterClrMapping/>
-  </p:clrMapOvr>
-</p:notes>
-</file>
-
-<file path=ppt/notesSlides/notesSlide8.xml><?xml version="1.0" encoding="utf-8"?>
-<p:notes xmlns:a="http://schemas.openxmlformats.org/drawingml/2006/main" xmlns:r="http://schemas.openxmlformats.org/officeDocument/2006/relationships" xmlns:p="http://schemas.openxmlformats.org/presentationml/2006/main">
-  <p:cSld>
-    <p:spTree>
-      <p:nvGrpSpPr>
-        <p:cNvPr id="1" name=""/>
-        <p:cNvGrpSpPr/>
-        <p:nvPr/>
-      </p:nvGrpSpPr>
-      <p:grpSpPr>
-        <a:xfrm>
-          <a:off x="0" y="0"/>
-          <a:ext cx="0" cy="0"/>
-          <a:chOff x="0" y="0"/>
-          <a:chExt cx="0" cy="0"/>
-        </a:xfrm>
-      </p:grpSpPr>
-      <p:sp>
-        <p:nvSpPr>
-          <p:cNvPr id="2" name="Slide Image Placeholder 1"/>
-          <p:cNvSpPr>
-            <a:spLocks noGrp="1" noRot="1" noChangeAspect="1"/>
-          </p:cNvSpPr>
-          <p:nvPr>
-            <p:ph type="sldImg"/>
-          </p:nvPr>
-        </p:nvSpPr>
-        <p:spPr/>
-      </p:sp>
-      <p:sp>
-        <p:nvSpPr>
-          <p:cNvPr id="3" name="Notes Placeholder 2"/>
-          <p:cNvSpPr>
-            <a:spLocks noGrp="1"/>
-          </p:cNvSpPr>
-          <p:nvPr>
-            <p:ph type="body" idx="1"/>
-          </p:nvPr>
-        </p:nvSpPr>
-        <p:spPr/>
-        <p:txBody>
-          <a:bodyPr/>
-          <a:lstStyle/>
-          <a:p>
-            <a:r>
-              <a:rPr lang="en-US" dirty="0"/>
-              <a:t>Combine a</a:t>
-            </a:r>
-            <a:r>
-              <a:rPr lang="en-US" baseline="0" dirty="0"/>
-              <a:t>n image and multiple key statements with a strong grid.</a:t>
-            </a:r>
-            <a:endParaRPr lang="en-US" dirty="0"/>
-          </a:p>
-        </p:txBody>
-      </p:sp>
-      <p:sp>
-        <p:nvSpPr>
-          <p:cNvPr id="4" name="Slide Number Placeholder 3"/>
-          <p:cNvSpPr>
-            <a:spLocks noGrp="1"/>
-          </p:cNvSpPr>
-          <p:nvPr>
-            <p:ph type="sldNum" sz="quarter" idx="10"/>
-          </p:nvPr>
-        </p:nvSpPr>
-        <p:spPr/>
-        <p:txBody>
-          <a:bodyPr/>
-          <a:lstStyle/>
-          <a:p>
-            <a:fld id="{4CBCEA92-F142-4D57-B507-37BDAF44710C}" type="slidenum">
-              <a:rPr lang="en-US" smtClean="0"/>
-              <a:t>13</a:t>
-            </a:fld>
-            <a:endParaRPr lang="en-US"/>
-          </a:p>
-        </p:txBody>
-      </p:sp>
-    </p:spTree>
-    <p:extLst>
-      <p:ext uri="{BB962C8B-B14F-4D97-AF65-F5344CB8AC3E}">
-        <p14:creationId xmlns:p14="http://schemas.microsoft.com/office/powerpoint/2010/main" val="603005151"/>
       </p:ext>
     </p:extLst>
   </p:cSld>
@@ -22786,1035 +22184,6 @@
       </p:grpSpPr>
       <p:sp>
         <p:nvSpPr>
-          <p:cNvPr id="81" name="Picture Placeholder 80"/>
-          <p:cNvSpPr>
-            <a:spLocks noGrp="1"/>
-          </p:cNvSpPr>
-          <p:nvPr>
-            <p:ph type="pic" sz="quarter" idx="12"/>
-          </p:nvPr>
-        </p:nvSpPr>
-        <p:spPr/>
-      </p:sp>
-      <p:sp>
-        <p:nvSpPr>
-          <p:cNvPr id="3" name="Slide Number Placeholder 2"/>
-          <p:cNvSpPr>
-            <a:spLocks noGrp="1"/>
-          </p:cNvSpPr>
-          <p:nvPr>
-            <p:ph type="sldNum" sz="quarter" idx="4"/>
-          </p:nvPr>
-        </p:nvSpPr>
-        <p:spPr>
-          <a:xfrm>
-            <a:off x="11753512" y="6484937"/>
-            <a:ext cx="419776" cy="365125"/>
-          </a:xfrm>
-        </p:spPr>
-        <p:txBody>
-          <a:bodyPr/>
-          <a:lstStyle/>
-          <a:p>
-            <a:fld id="{5AE1514C-5E56-4738-A1FF-4B1CFD2A3E36}" type="slidenum">
-              <a:rPr lang="en-US" smtClean="0"/>
-              <a:pPr/>
-              <a:t>10</a:t>
-            </a:fld>
-            <a:endParaRPr lang="en-US"/>
-          </a:p>
-        </p:txBody>
-      </p:sp>
-      <p:sp>
-        <p:nvSpPr>
-          <p:cNvPr id="51" name="Rectangle 50"/>
-          <p:cNvSpPr/>
-          <p:nvPr/>
-        </p:nvSpPr>
-        <p:spPr>
-          <a:xfrm>
-            <a:off x="-2882" y="0"/>
-            <a:ext cx="10412974" cy="6858000"/>
-          </a:xfrm>
-          <a:prstGeom prst="rect">
-            <a:avLst/>
-          </a:prstGeom>
-          <a:gradFill flip="none" rotWithShape="1">
-            <a:gsLst>
-              <a:gs pos="0">
-                <a:schemeClr val="tx1">
-                  <a:alpha val="53000"/>
-                </a:schemeClr>
-              </a:gs>
-              <a:gs pos="97000">
-                <a:schemeClr val="tx1">
-                  <a:alpha val="0"/>
-                </a:schemeClr>
-              </a:gs>
-            </a:gsLst>
-            <a:lin ang="0" scaled="1"/>
-            <a:tileRect/>
-          </a:gradFill>
-          <a:ln>
-            <a:noFill/>
-          </a:ln>
-        </p:spPr>
-        <p:style>
-          <a:lnRef idx="2">
-            <a:schemeClr val="accent1">
-              <a:shade val="50000"/>
-            </a:schemeClr>
-          </a:lnRef>
-          <a:fillRef idx="1">
-            <a:schemeClr val="accent1"/>
-          </a:fillRef>
-          <a:effectRef idx="0">
-            <a:schemeClr val="accent1"/>
-          </a:effectRef>
-          <a:fontRef idx="minor">
-            <a:schemeClr val="lt1"/>
-          </a:fontRef>
-        </p:style>
-        <p:txBody>
-          <a:bodyPr rtlCol="0" anchor="ctr"/>
-          <a:lstStyle/>
-          <a:p>
-            <a:pPr algn="r"/>
-            <a:endParaRPr lang="en-US" dirty="0"/>
-          </a:p>
-        </p:txBody>
-      </p:sp>
-      <p:sp>
-        <p:nvSpPr>
-          <p:cNvPr id="20" name="Content Placeholder 19"/>
-          <p:cNvSpPr>
-            <a:spLocks noGrp="1"/>
-          </p:cNvSpPr>
-          <p:nvPr>
-            <p:ph idx="18"/>
-          </p:nvPr>
-        </p:nvSpPr>
-        <p:spPr>
-          <a:xfrm>
-            <a:off x="2053947" y="419100"/>
-            <a:ext cx="2377440" cy="840230"/>
-          </a:xfrm>
-        </p:spPr>
-        <p:txBody>
-          <a:bodyPr/>
-          <a:lstStyle/>
-          <a:p>
-            <a:r>
-              <a:rPr lang="en-US" dirty="0"/>
-              <a:t>3</a:t>
-            </a:r>
-          </a:p>
-        </p:txBody>
-      </p:sp>
-      <p:sp>
-        <p:nvSpPr>
-          <p:cNvPr id="6" name="Text Placeholder 5"/>
-          <p:cNvSpPr>
-            <a:spLocks noGrp="1"/>
-          </p:cNvSpPr>
-          <p:nvPr>
-            <p:ph type="body" sz="quarter" idx="11"/>
-          </p:nvPr>
-        </p:nvSpPr>
-        <p:spPr>
-          <a:xfrm>
-            <a:off x="304800" y="3429000"/>
-            <a:ext cx="5960269" cy="3021853"/>
-          </a:xfrm>
-        </p:spPr>
-        <p:txBody>
-          <a:bodyPr/>
-          <a:lstStyle/>
-          <a:p>
-            <a:r>
-              <a:rPr lang="en-US" dirty="0">
-                <a:solidFill>
-                  <a:schemeClr val="bg1"/>
-                </a:solidFill>
-              </a:rPr>
-              <a:t>SUPPORT</a:t>
-            </a:r>
-          </a:p>
-          <a:p>
-            <a:pPr lvl="1">
-              <a:spcAft>
-                <a:spcPts val="1200"/>
-              </a:spcAft>
-            </a:pPr>
-            <a:r>
-              <a:rPr lang="en-US" sz="2400" dirty="0">
-                <a:solidFill>
-                  <a:schemeClr val="bg1"/>
-                </a:solidFill>
-              </a:rPr>
-              <a:t>We perceive the world through </a:t>
-            </a:r>
-            <a:br>
-              <a:rPr lang="en-US" sz="2400" dirty="0">
-                <a:solidFill>
-                  <a:schemeClr val="bg1"/>
-                </a:solidFill>
-              </a:rPr>
-            </a:br>
-            <a:r>
-              <a:rPr lang="en-US" sz="2400" dirty="0">
-                <a:solidFill>
-                  <a:schemeClr val="bg1"/>
-                </a:solidFill>
-              </a:rPr>
-              <a:t>more than our eyes and ears; </a:t>
-            </a:r>
-            <a:br>
-              <a:rPr lang="en-US" sz="2400" dirty="0">
-                <a:solidFill>
-                  <a:schemeClr val="bg1"/>
-                </a:solidFill>
-              </a:rPr>
-            </a:br>
-            <a:r>
-              <a:rPr lang="en-US" sz="2400" dirty="0">
-                <a:solidFill>
-                  <a:schemeClr val="bg1"/>
-                </a:solidFill>
-              </a:rPr>
-              <a:t>we smell, we touch, and we taste. </a:t>
-            </a:r>
-            <a:endParaRPr lang="en-US" dirty="0">
-              <a:solidFill>
-                <a:schemeClr val="bg1"/>
-              </a:solidFill>
-            </a:endParaRPr>
-          </a:p>
-          <a:p>
-            <a:pPr lvl="3">
-              <a:spcAft>
-                <a:spcPts val="1200"/>
-              </a:spcAft>
-            </a:pPr>
-            <a:r>
-              <a:rPr lang="en-US" dirty="0">
-                <a:solidFill>
-                  <a:schemeClr val="bg1"/>
-                </a:solidFill>
-              </a:rPr>
-              <a:t>Put your audience in that place and </a:t>
-            </a:r>
-            <a:br>
-              <a:rPr lang="en-US" dirty="0">
-                <a:solidFill>
-                  <a:schemeClr val="bg1"/>
-                </a:solidFill>
-              </a:rPr>
-            </a:br>
-            <a:r>
-              <a:rPr lang="en-US" dirty="0">
-                <a:solidFill>
-                  <a:schemeClr val="bg1"/>
-                </a:solidFill>
-              </a:rPr>
-              <a:t>provide them a point of reference; </a:t>
-            </a:r>
-            <a:br>
-              <a:rPr lang="en-US" dirty="0">
-                <a:solidFill>
-                  <a:schemeClr val="bg1"/>
-                </a:solidFill>
-              </a:rPr>
-            </a:br>
-            <a:r>
-              <a:rPr lang="en-US" dirty="0">
-                <a:solidFill>
-                  <a:schemeClr val="bg1"/>
-                </a:solidFill>
-              </a:rPr>
-              <a:t>the imagination will do the rest.</a:t>
-            </a:r>
-          </a:p>
-        </p:txBody>
-      </p:sp>
-      <p:sp>
-        <p:nvSpPr>
-          <p:cNvPr id="71" name="Text Placeholder 70"/>
-          <p:cNvSpPr>
-            <a:spLocks noGrp="1"/>
-          </p:cNvSpPr>
-          <p:nvPr>
-            <p:ph type="body" sz="quarter" idx="19"/>
-          </p:nvPr>
-        </p:nvSpPr>
-        <p:spPr>
-          <a:xfrm>
-            <a:off x="304800" y="1554164"/>
-            <a:ext cx="5875734" cy="1089529"/>
-          </a:xfrm>
-        </p:spPr>
-        <p:txBody>
-          <a:bodyPr/>
-          <a:lstStyle/>
-          <a:p>
-            <a:r>
-              <a:rPr lang="en-US" dirty="0">
-                <a:solidFill>
-                  <a:schemeClr val="bg1"/>
-                </a:solidFill>
-              </a:rPr>
-              <a:t>Images are a great tool </a:t>
-            </a:r>
-            <a:br>
-              <a:rPr lang="en-US" dirty="0">
-                <a:solidFill>
-                  <a:schemeClr val="bg1"/>
-                </a:solidFill>
-              </a:rPr>
-            </a:br>
-            <a:r>
-              <a:rPr lang="en-US" dirty="0">
-                <a:solidFill>
-                  <a:schemeClr val="bg1"/>
-                </a:solidFill>
-              </a:rPr>
-              <a:t>for showing context</a:t>
-            </a:r>
-          </a:p>
-        </p:txBody>
-      </p:sp>
-    </p:spTree>
-    <p:extLst>
-      <p:ext uri="{BB962C8B-B14F-4D97-AF65-F5344CB8AC3E}">
-        <p14:creationId xmlns:p14="http://schemas.microsoft.com/office/powerpoint/2010/main" val="2488226301"/>
-      </p:ext>
-    </p:extLst>
-  </p:cSld>
-  <p:clrMapOvr>
-    <a:masterClrMapping/>
-  </p:clrMapOvr>
-  <p:transition spd="slow">
-    <p:push/>
-  </p:transition>
-</p:sld>
-</file>
-
-<file path=ppt/slides/slide11.xml><?xml version="1.0" encoding="utf-8"?>
-<p:sld xmlns:a="http://schemas.openxmlformats.org/drawingml/2006/main" xmlns:r="http://schemas.openxmlformats.org/officeDocument/2006/relationships" xmlns:p="http://schemas.openxmlformats.org/presentationml/2006/main">
-  <p:cSld>
-    <p:spTree>
-      <p:nvGrpSpPr>
-        <p:cNvPr id="1" name=""/>
-        <p:cNvGrpSpPr/>
-        <p:nvPr/>
-      </p:nvGrpSpPr>
-      <p:grpSpPr>
-        <a:xfrm>
-          <a:off x="0" y="0"/>
-          <a:ext cx="0" cy="0"/>
-          <a:chOff x="0" y="0"/>
-          <a:chExt cx="0" cy="0"/>
-        </a:xfrm>
-      </p:grpSpPr>
-      <p:sp>
-        <p:nvSpPr>
-          <p:cNvPr id="45" name="Picture Placeholder 44"/>
-          <p:cNvSpPr>
-            <a:spLocks noGrp="1"/>
-          </p:cNvSpPr>
-          <p:nvPr>
-            <p:ph type="pic" sz="quarter" idx="10"/>
-          </p:nvPr>
-        </p:nvSpPr>
-        <p:spPr/>
-      </p:sp>
-      <p:sp>
-        <p:nvSpPr>
-          <p:cNvPr id="2" name="Slide Number Placeholder 1"/>
-          <p:cNvSpPr>
-            <a:spLocks noGrp="1"/>
-          </p:cNvSpPr>
-          <p:nvPr>
-            <p:ph type="sldNum" sz="quarter" idx="4"/>
-          </p:nvPr>
-        </p:nvSpPr>
-        <p:spPr>
-          <a:xfrm>
-            <a:off x="11766616" y="6492875"/>
-            <a:ext cx="393567" cy="365125"/>
-          </a:xfrm>
-        </p:spPr>
-        <p:txBody>
-          <a:bodyPr/>
-          <a:lstStyle/>
-          <a:p>
-            <a:fld id="{5AE1514C-5E56-4738-A1FF-4B1CFD2A3E36}" type="slidenum">
-              <a:rPr lang="en-US" smtClean="0"/>
-              <a:pPr/>
-              <a:t>11</a:t>
-            </a:fld>
-            <a:endParaRPr lang="en-US" dirty="0"/>
-          </a:p>
-        </p:txBody>
-      </p:sp>
-      <p:sp>
-        <p:nvSpPr>
-          <p:cNvPr id="7" name="Text Placeholder 6"/>
-          <p:cNvSpPr>
-            <a:spLocks noGrp="1"/>
-          </p:cNvSpPr>
-          <p:nvPr>
-            <p:ph type="body" sz="quarter" idx="11"/>
-          </p:nvPr>
-        </p:nvSpPr>
-        <p:spPr>
-          <a:xfrm>
-            <a:off x="0" y="3429000"/>
-            <a:ext cx="6129338" cy="2983894"/>
-          </a:xfrm>
-        </p:spPr>
-        <p:txBody>
-          <a:bodyPr/>
-          <a:lstStyle/>
-          <a:p>
-            <a:r>
-              <a:rPr lang="en-US" dirty="0"/>
-              <a:t>ENGAGE</a:t>
-            </a:r>
-          </a:p>
-          <a:p>
-            <a:pPr lvl="1"/>
-            <a:r>
-              <a:rPr lang="en-US" sz="2400" dirty="0"/>
-              <a:t>Visualize key messages</a:t>
-            </a:r>
-          </a:p>
-          <a:p>
-            <a:pPr lvl="3"/>
-            <a:r>
-              <a:rPr lang="en-US" dirty="0"/>
-              <a:t>A picture is worth a thousand words…</a:t>
-            </a:r>
-          </a:p>
-          <a:p>
-            <a:pPr lvl="1"/>
-            <a:r>
-              <a:rPr lang="en-US" sz="2400" dirty="0"/>
-              <a:t>Make a statement</a:t>
-            </a:r>
-          </a:p>
-          <a:p>
-            <a:pPr lvl="3"/>
-            <a:r>
-              <a:rPr lang="en-US" dirty="0"/>
-              <a:t>Using graphics, charts, and infographics</a:t>
-            </a:r>
-          </a:p>
-          <a:p>
-            <a:pPr lvl="1"/>
-            <a:endParaRPr lang="en-US" dirty="0"/>
-          </a:p>
-        </p:txBody>
-      </p:sp>
-      <p:sp>
-        <p:nvSpPr>
-          <p:cNvPr id="13" name="Content Placeholder 12"/>
-          <p:cNvSpPr>
-            <a:spLocks noGrp="1"/>
-          </p:cNvSpPr>
-          <p:nvPr>
-            <p:ph idx="18"/>
-          </p:nvPr>
-        </p:nvSpPr>
-        <p:spPr/>
-        <p:txBody>
-          <a:bodyPr/>
-          <a:lstStyle/>
-          <a:p>
-            <a:r>
-              <a:rPr lang="en-US"/>
-              <a:t>4</a:t>
-            </a:r>
-            <a:endParaRPr lang="en-US" dirty="0"/>
-          </a:p>
-        </p:txBody>
-      </p:sp>
-      <p:sp>
-        <p:nvSpPr>
-          <p:cNvPr id="14" name="Text Placeholder 13"/>
-          <p:cNvSpPr>
-            <a:spLocks noGrp="1"/>
-          </p:cNvSpPr>
-          <p:nvPr>
-            <p:ph type="body" sz="quarter" idx="19"/>
-          </p:nvPr>
-        </p:nvSpPr>
-        <p:spPr>
-          <a:xfrm>
-            <a:off x="169069" y="1554163"/>
-            <a:ext cx="5791200" cy="590931"/>
-          </a:xfrm>
-        </p:spPr>
-        <p:txBody>
-          <a:bodyPr/>
-          <a:lstStyle/>
-          <a:p>
-            <a:r>
-              <a:rPr lang="en-US" dirty="0"/>
-              <a:t>Show, don’t tell</a:t>
-            </a:r>
-          </a:p>
-        </p:txBody>
-      </p:sp>
-    </p:spTree>
-    <p:extLst>
-      <p:ext uri="{BB962C8B-B14F-4D97-AF65-F5344CB8AC3E}">
-        <p14:creationId xmlns:p14="http://schemas.microsoft.com/office/powerpoint/2010/main" val="686721801"/>
-      </p:ext>
-    </p:extLst>
-  </p:cSld>
-  <p:clrMapOvr>
-    <a:masterClrMapping/>
-  </p:clrMapOvr>
-  <p:transition spd="slow">
-    <p:push/>
-  </p:transition>
-</p:sld>
-</file>
-
-<file path=ppt/slides/slide12.xml><?xml version="1.0" encoding="utf-8"?>
-<p:sld xmlns:a="http://schemas.openxmlformats.org/drawingml/2006/main" xmlns:r="http://schemas.openxmlformats.org/officeDocument/2006/relationships" xmlns:p="http://schemas.openxmlformats.org/presentationml/2006/main">
-  <p:cSld>
-    <p:spTree>
-      <p:nvGrpSpPr>
-        <p:cNvPr id="1" name=""/>
-        <p:cNvGrpSpPr/>
-        <p:nvPr/>
-      </p:nvGrpSpPr>
-      <p:grpSpPr>
-        <a:xfrm>
-          <a:off x="0" y="0"/>
-          <a:ext cx="0" cy="0"/>
-          <a:chOff x="0" y="0"/>
-          <a:chExt cx="0" cy="0"/>
-        </a:xfrm>
-      </p:grpSpPr>
-      <p:sp>
-        <p:nvSpPr>
-          <p:cNvPr id="19" name="Picture Placeholder 18"/>
-          <p:cNvSpPr>
-            <a:spLocks noGrp="1"/>
-          </p:cNvSpPr>
-          <p:nvPr>
-            <p:ph type="pic" sz="quarter" idx="10"/>
-          </p:nvPr>
-        </p:nvSpPr>
-        <p:spPr/>
-      </p:sp>
-      <p:sp>
-        <p:nvSpPr>
-          <p:cNvPr id="2" name="Slide Number Placeholder 1"/>
-          <p:cNvSpPr>
-            <a:spLocks noGrp="1"/>
-          </p:cNvSpPr>
-          <p:nvPr>
-            <p:ph type="sldNum" sz="quarter" idx="4"/>
-          </p:nvPr>
-        </p:nvSpPr>
-        <p:spPr>
-          <a:xfrm>
-            <a:off x="11696726" y="6484937"/>
-            <a:ext cx="533348" cy="365125"/>
-          </a:xfrm>
-        </p:spPr>
-        <p:txBody>
-          <a:bodyPr/>
-          <a:lstStyle/>
-          <a:p>
-            <a:fld id="{5AE1514C-5E56-4738-A1FF-4B1CFD2A3E36}" type="slidenum">
-              <a:rPr lang="en-US" smtClean="0"/>
-              <a:pPr/>
-              <a:t>12</a:t>
-            </a:fld>
-            <a:endParaRPr lang="en-US"/>
-          </a:p>
-        </p:txBody>
-      </p:sp>
-      <p:sp>
-        <p:nvSpPr>
-          <p:cNvPr id="11" name="Text Placeholder 10"/>
-          <p:cNvSpPr>
-            <a:spLocks noGrp="1"/>
-          </p:cNvSpPr>
-          <p:nvPr>
-            <p:ph type="body" sz="quarter" idx="11"/>
-          </p:nvPr>
-        </p:nvSpPr>
-        <p:spPr>
-          <a:xfrm>
-            <a:off x="6096000" y="3429000"/>
-            <a:ext cx="6096000" cy="2791533"/>
-          </a:xfrm>
-        </p:spPr>
-        <p:txBody>
-          <a:bodyPr/>
-          <a:lstStyle/>
-          <a:p>
-            <a:r>
-              <a:rPr lang="en-US" dirty="0"/>
-              <a:t>LEAD</a:t>
-            </a:r>
-          </a:p>
-          <a:p>
-            <a:pPr lvl="2"/>
-            <a:r>
-              <a:rPr lang="en-US" dirty="0"/>
-              <a:t>Start your story with an outline, </a:t>
-            </a:r>
-            <a:br>
-              <a:rPr lang="en-US" dirty="0"/>
-            </a:br>
-            <a:r>
-              <a:rPr lang="en-US" dirty="0"/>
-              <a:t>a framework of points you </a:t>
-            </a:r>
-            <a:br>
-              <a:rPr lang="en-US" dirty="0"/>
-            </a:br>
-            <a:r>
-              <a:rPr lang="en-US" dirty="0"/>
-              <a:t>need to have to tell your story, </a:t>
-            </a:r>
-            <a:br>
-              <a:rPr lang="en-US" dirty="0"/>
-            </a:br>
-            <a:r>
-              <a:rPr lang="en-US" dirty="0"/>
-              <a:t>always moving forward to </a:t>
-            </a:r>
-            <a:br>
-              <a:rPr lang="en-US" dirty="0"/>
-            </a:br>
-            <a:r>
-              <a:rPr lang="en-US" dirty="0"/>
-              <a:t>the conclusion or action points</a:t>
-            </a:r>
-          </a:p>
-        </p:txBody>
-      </p:sp>
-      <p:sp>
-        <p:nvSpPr>
-          <p:cNvPr id="8" name="Text Placeholder 7"/>
-          <p:cNvSpPr>
-            <a:spLocks noGrp="1"/>
-          </p:cNvSpPr>
-          <p:nvPr>
-            <p:ph type="body" sz="quarter" idx="19"/>
-          </p:nvPr>
-        </p:nvSpPr>
-        <p:spPr/>
-        <p:txBody>
-          <a:bodyPr/>
-          <a:lstStyle/>
-          <a:p>
-            <a:r>
-              <a:rPr lang="en-US"/>
-              <a:t>Know the end </a:t>
-            </a:r>
-            <a:br>
-              <a:rPr lang="en-US"/>
-            </a:br>
-            <a:r>
-              <a:rPr lang="en-US"/>
-              <a:t>at the beginning</a:t>
-            </a:r>
-            <a:endParaRPr lang="en-US" dirty="0"/>
-          </a:p>
-        </p:txBody>
-      </p:sp>
-      <p:sp>
-        <p:nvSpPr>
-          <p:cNvPr id="20" name="Content Placeholder 19"/>
-          <p:cNvSpPr>
-            <a:spLocks noGrp="1"/>
-          </p:cNvSpPr>
-          <p:nvPr>
-            <p:ph idx="18"/>
-          </p:nvPr>
-        </p:nvSpPr>
-        <p:spPr/>
-        <p:txBody>
-          <a:bodyPr/>
-          <a:lstStyle/>
-          <a:p>
-            <a:r>
-              <a:rPr lang="en-US" dirty="0"/>
-              <a:t>5</a:t>
-            </a:r>
-          </a:p>
-        </p:txBody>
-      </p:sp>
-      <p:sp>
-        <p:nvSpPr>
-          <p:cNvPr id="7" name="Rectangle 6"/>
-          <p:cNvSpPr/>
-          <p:nvPr/>
-        </p:nvSpPr>
-        <p:spPr>
-          <a:xfrm>
-            <a:off x="0" y="0"/>
-            <a:ext cx="6094443" cy="6858000"/>
-          </a:xfrm>
-          <a:prstGeom prst="rect">
-            <a:avLst/>
-          </a:prstGeom>
-          <a:solidFill>
-            <a:schemeClr val="tx1">
-              <a:alpha val="15000"/>
-            </a:schemeClr>
-          </a:solidFill>
-          <a:ln>
-            <a:noFill/>
-          </a:ln>
-        </p:spPr>
-        <p:style>
-          <a:lnRef idx="2">
-            <a:schemeClr val="accent1">
-              <a:shade val="50000"/>
-            </a:schemeClr>
-          </a:lnRef>
-          <a:fillRef idx="1">
-            <a:schemeClr val="accent1"/>
-          </a:fillRef>
-          <a:effectRef idx="0">
-            <a:schemeClr val="accent1"/>
-          </a:effectRef>
-          <a:fontRef idx="minor">
-            <a:schemeClr val="lt1"/>
-          </a:fontRef>
-        </p:style>
-        <p:txBody>
-          <a:bodyPr rtlCol="0" anchor="ctr"/>
-          <a:lstStyle/>
-          <a:p>
-            <a:pPr algn="ctr"/>
-            <a:endParaRPr lang="en-US"/>
-          </a:p>
-        </p:txBody>
-      </p:sp>
-    </p:spTree>
-    <p:extLst>
-      <p:ext uri="{BB962C8B-B14F-4D97-AF65-F5344CB8AC3E}">
-        <p14:creationId xmlns:p14="http://schemas.microsoft.com/office/powerpoint/2010/main" val="2177918218"/>
-      </p:ext>
-    </p:extLst>
-  </p:cSld>
-  <p:clrMapOvr>
-    <a:masterClrMapping/>
-  </p:clrMapOvr>
-  <p:transition spd="slow">
-    <p:push/>
-  </p:transition>
-</p:sld>
-</file>
-
-<file path=ppt/slides/slide13.xml><?xml version="1.0" encoding="utf-8"?>
-<p:sld xmlns:a="http://schemas.openxmlformats.org/drawingml/2006/main" xmlns:r="http://schemas.openxmlformats.org/officeDocument/2006/relationships" xmlns:p="http://schemas.openxmlformats.org/presentationml/2006/main">
-  <p:cSld>
-    <p:spTree>
-      <p:nvGrpSpPr>
-        <p:cNvPr id="1" name=""/>
-        <p:cNvGrpSpPr/>
-        <p:nvPr/>
-      </p:nvGrpSpPr>
-      <p:grpSpPr>
-        <a:xfrm>
-          <a:off x="0" y="0"/>
-          <a:ext cx="0" cy="0"/>
-          <a:chOff x="0" y="0"/>
-          <a:chExt cx="0" cy="0"/>
-        </a:xfrm>
-      </p:grpSpPr>
-      <p:sp>
-        <p:nvSpPr>
-          <p:cNvPr id="20" name="Picture Placeholder 19"/>
-          <p:cNvSpPr>
-            <a:spLocks noGrp="1"/>
-          </p:cNvSpPr>
-          <p:nvPr>
-            <p:ph type="pic" sz="quarter" idx="10"/>
-          </p:nvPr>
-        </p:nvSpPr>
-        <p:spPr/>
-      </p:sp>
-      <p:sp>
-        <p:nvSpPr>
-          <p:cNvPr id="11" name="Text Placeholder 10"/>
-          <p:cNvSpPr>
-            <a:spLocks noGrp="1"/>
-          </p:cNvSpPr>
-          <p:nvPr>
-            <p:ph type="body" sz="quarter" idx="11"/>
-          </p:nvPr>
-        </p:nvSpPr>
-        <p:spPr>
-          <a:xfrm>
-            <a:off x="6096000" y="1636201"/>
-            <a:ext cx="6096000" cy="3585597"/>
-          </a:xfrm>
-        </p:spPr>
-        <p:txBody>
-          <a:bodyPr/>
-          <a:lstStyle/>
-          <a:p>
-            <a:r>
-              <a:rPr lang="en-US" dirty="0"/>
-              <a:t>TAKEAWAY</a:t>
-            </a:r>
-          </a:p>
-          <a:p>
-            <a:pPr lvl="4"/>
-            <a:r>
-              <a:rPr lang="en-US" dirty="0"/>
-              <a:t>What do you want them to remember?</a:t>
-            </a:r>
-          </a:p>
-          <a:p>
-            <a:r>
-              <a:rPr lang="en-US" dirty="0"/>
-              <a:t>INSPIRE</a:t>
-            </a:r>
-          </a:p>
-          <a:p>
-            <a:pPr lvl="4"/>
-            <a:r>
-              <a:rPr lang="en-US" dirty="0"/>
-              <a:t>Get them excited about what’s to come</a:t>
-            </a:r>
-          </a:p>
-          <a:p>
-            <a:r>
-              <a:rPr lang="en-US" dirty="0"/>
-              <a:t>ACTION</a:t>
-            </a:r>
-          </a:p>
-          <a:p>
-            <a:pPr lvl="4"/>
-            <a:r>
-              <a:rPr lang="en-US" dirty="0"/>
-              <a:t>Build your presentation and give us your feedback </a:t>
-            </a:r>
-            <a:br>
-              <a:rPr lang="en-US" dirty="0"/>
-            </a:br>
-            <a:r>
-              <a:rPr lang="en-US" dirty="0"/>
-              <a:t>if this was helpful to you.</a:t>
-            </a:r>
-          </a:p>
-        </p:txBody>
-      </p:sp>
-      <p:sp>
-        <p:nvSpPr>
-          <p:cNvPr id="21" name="Slide Number Placeholder 20"/>
-          <p:cNvSpPr>
-            <a:spLocks noGrp="1"/>
-          </p:cNvSpPr>
-          <p:nvPr>
-            <p:ph type="sldNum" sz="quarter" idx="4"/>
-          </p:nvPr>
-        </p:nvSpPr>
-        <p:spPr/>
-        <p:txBody>
-          <a:bodyPr/>
-          <a:lstStyle/>
-          <a:p>
-            <a:fld id="{4997E989-D798-4C62-8E93-3D2D613C2488}" type="slidenum">
-              <a:rPr lang="en-US" smtClean="0"/>
-              <a:pPr/>
-              <a:t>13</a:t>
-            </a:fld>
-            <a:endParaRPr lang="en-US"/>
-          </a:p>
-        </p:txBody>
-      </p:sp>
-    </p:spTree>
-    <p:extLst>
-      <p:ext uri="{BB962C8B-B14F-4D97-AF65-F5344CB8AC3E}">
-        <p14:creationId xmlns:p14="http://schemas.microsoft.com/office/powerpoint/2010/main" val="2027444631"/>
-      </p:ext>
-    </p:extLst>
-  </p:cSld>
-  <p:clrMapOvr>
-    <a:masterClrMapping/>
-  </p:clrMapOvr>
-  <p:transition spd="slow">
-    <p:push dir="u"/>
-  </p:transition>
-</p:sld>
-</file>
-
-<file path=ppt/slides/slide14.xml><?xml version="1.0" encoding="utf-8"?>
-<p:sld xmlns:a="http://schemas.openxmlformats.org/drawingml/2006/main" xmlns:r="http://schemas.openxmlformats.org/officeDocument/2006/relationships" xmlns:p="http://schemas.openxmlformats.org/presentationml/2006/main">
-  <p:cSld>
-    <p:spTree>
-      <p:nvGrpSpPr>
-        <p:cNvPr id="1" name=""/>
-        <p:cNvGrpSpPr/>
-        <p:nvPr/>
-      </p:nvGrpSpPr>
-      <p:grpSpPr>
-        <a:xfrm>
-          <a:off x="0" y="0"/>
-          <a:ext cx="0" cy="0"/>
-          <a:chOff x="0" y="0"/>
-          <a:chExt cx="0" cy="0"/>
-        </a:xfrm>
-      </p:grpSpPr>
-      <p:sp>
-        <p:nvSpPr>
-          <p:cNvPr id="2" name="Slide Number Placeholder 1"/>
-          <p:cNvSpPr>
-            <a:spLocks noGrp="1"/>
-          </p:cNvSpPr>
-          <p:nvPr>
-            <p:ph type="sldNum" sz="quarter" idx="4"/>
-          </p:nvPr>
-        </p:nvSpPr>
-        <p:spPr>
-          <a:xfrm>
-            <a:off x="11747687" y="6492875"/>
-            <a:ext cx="431425" cy="365125"/>
-          </a:xfrm>
-          <a:prstGeom prst="rect">
-            <a:avLst/>
-          </a:prstGeom>
-        </p:spPr>
-        <p:txBody>
-          <a:bodyPr/>
-          <a:lstStyle/>
-          <a:p>
-            <a:fld id="{5AE1514C-5E56-4738-A1FF-4B1CFD2A3E36}" type="slidenum">
-              <a:rPr lang="en-US" smtClean="0"/>
-              <a:pPr/>
-              <a:t>14</a:t>
-            </a:fld>
-            <a:endParaRPr lang="en-US"/>
-          </a:p>
-        </p:txBody>
-      </p:sp>
-      <p:sp>
-        <p:nvSpPr>
-          <p:cNvPr id="4" name="Text Placeholder 3"/>
-          <p:cNvSpPr>
-            <a:spLocks noGrp="1"/>
-          </p:cNvSpPr>
-          <p:nvPr>
-            <p:ph type="body" sz="quarter" idx="14"/>
-          </p:nvPr>
-        </p:nvSpPr>
-        <p:spPr/>
-        <p:txBody>
-          <a:bodyPr/>
-          <a:lstStyle/>
-          <a:p>
-            <a:r>
-              <a:rPr lang="en-US"/>
-              <a:t>—LEVAR BURTON</a:t>
-            </a:r>
-          </a:p>
-          <a:p>
-            <a:endParaRPr lang="en-US" dirty="0"/>
-          </a:p>
-        </p:txBody>
-      </p:sp>
-      <p:sp>
-        <p:nvSpPr>
-          <p:cNvPr id="7" name="Text Placeholder 6"/>
-          <p:cNvSpPr>
-            <a:spLocks noGrp="1"/>
-          </p:cNvSpPr>
-          <p:nvPr>
-            <p:ph type="body" sz="quarter" idx="13"/>
-          </p:nvPr>
-        </p:nvSpPr>
-        <p:spPr/>
-        <p:txBody>
-          <a:bodyPr/>
-          <a:lstStyle/>
-          <a:p>
-            <a:r>
-              <a:rPr lang="en-US" dirty="0"/>
-              <a:t>BECAUSE STORYTELLING, </a:t>
-            </a:r>
-            <a:br>
-              <a:rPr lang="en-US" dirty="0"/>
-            </a:br>
-            <a:r>
-              <a:rPr lang="en-US" dirty="0"/>
-              <a:t>AND VISUAL STORYTELLING, </a:t>
-            </a:r>
-            <a:br>
-              <a:rPr lang="en-US" dirty="0"/>
-            </a:br>
-            <a:r>
-              <a:rPr lang="en-US" dirty="0"/>
-              <a:t>WAS PUT IN THE HANDS OF EVERYBODY,</a:t>
-            </a:r>
-          </a:p>
-          <a:p>
-            <a:pPr lvl="1"/>
-            <a:r>
-              <a:rPr lang="en-US" dirty="0"/>
-              <a:t>WE HAVE ALL NOW BECOME STORYTELLERS.</a:t>
-            </a:r>
-          </a:p>
-        </p:txBody>
-      </p:sp>
-    </p:spTree>
-    <p:extLst>
-      <p:ext uri="{BB962C8B-B14F-4D97-AF65-F5344CB8AC3E}">
-        <p14:creationId xmlns:p14="http://schemas.microsoft.com/office/powerpoint/2010/main" val="627313075"/>
-      </p:ext>
-    </p:extLst>
-  </p:cSld>
-  <p:clrMapOvr>
-    <a:masterClrMapping/>
-  </p:clrMapOvr>
-  <mc:AlternateContent xmlns:mc="http://schemas.openxmlformats.org/markup-compatibility/2006" xmlns:p14="http://schemas.microsoft.com/office/powerpoint/2010/main">
-    <mc:Choice Requires="p14">
-      <p:transition spd="med" p14:dur="700">
-        <p:fade/>
-      </p:transition>
-    </mc:Choice>
-    <mc:Fallback xmlns="">
-      <p:transition spd="med">
-        <p:fade/>
-      </p:transition>
-    </mc:Fallback>
-  </mc:AlternateContent>
-</p:sld>
-</file>
-
-<file path=ppt/slides/slide15.xml><?xml version="1.0" encoding="utf-8"?>
-<p:sld xmlns:a="http://schemas.openxmlformats.org/drawingml/2006/main" xmlns:r="http://schemas.openxmlformats.org/officeDocument/2006/relationships" xmlns:p="http://schemas.openxmlformats.org/presentationml/2006/main">
-  <p:cSld>
-    <p:spTree>
-      <p:nvGrpSpPr>
-        <p:cNvPr id="1" name=""/>
-        <p:cNvGrpSpPr/>
-        <p:nvPr/>
-      </p:nvGrpSpPr>
-      <p:grpSpPr>
-        <a:xfrm>
-          <a:off x="0" y="0"/>
-          <a:ext cx="0" cy="0"/>
-          <a:chOff x="0" y="0"/>
-          <a:chExt cx="0" cy="0"/>
-        </a:xfrm>
-      </p:grpSpPr>
-      <p:sp>
-        <p:nvSpPr>
           <p:cNvPr id="3" name="Title 2"/>
           <p:cNvSpPr>
             <a:spLocks noGrp="1"/>
@@ -24275,13 +22644,13 @@
   <p:clrMapOvr>
     <a:masterClrMapping/>
   </p:clrMapOvr>
-  <mc:AlternateContent xmlns:mc="http://schemas.openxmlformats.org/markup-compatibility/2006">
-    <mc:Choice xmlns:p159="http://schemas.microsoft.com/office/powerpoint/2015/09/main" Requires="p159">
+  <mc:AlternateContent xmlns:mc="http://schemas.openxmlformats.org/markup-compatibility/2006" xmlns:p159="http://schemas.microsoft.com/office/powerpoint/2015/09/main">
+    <mc:Choice Requires="p159">
       <p:transition spd="slow">
         <p159:morph option="byObject"/>
       </p:transition>
     </mc:Choice>
-    <mc:Fallback>
+    <mc:Fallback xmlns="">
       <p:transition spd="slow">
         <p:fade/>
       </p:transition>
@@ -26714,128 +25083,6 @@
       </p:grpSpPr>
       <p:sp>
         <p:nvSpPr>
-          <p:cNvPr id="9" name="Title 8"/>
-          <p:cNvSpPr>
-            <a:spLocks noGrp="1"/>
-          </p:cNvSpPr>
-          <p:nvPr>
-            <p:ph type="title"/>
-          </p:nvPr>
-        </p:nvSpPr>
-        <p:spPr/>
-        <p:txBody>
-          <a:bodyPr/>
-          <a:lstStyle/>
-          <a:p>
-            <a:r>
-              <a:rPr lang="en-US" sz="3600" dirty="0"/>
-              <a:t>VISUALS ADD A COMPONENT TO STORYTELLING THAT TEXT CANNOT | </a:t>
-            </a:r>
-            <a:r>
-              <a:rPr lang="en-US" sz="3600" dirty="0">
-                <a:solidFill>
-                  <a:schemeClr val="accent1"/>
-                </a:solidFill>
-              </a:rPr>
-              <a:t>SPEED.</a:t>
-            </a:r>
-          </a:p>
-        </p:txBody>
-      </p:sp>
-      <p:sp>
-        <p:nvSpPr>
-          <p:cNvPr id="11" name="Text Placeholder 10"/>
-          <p:cNvSpPr>
-            <a:spLocks noGrp="1"/>
-          </p:cNvSpPr>
-          <p:nvPr>
-            <p:ph type="body" sz="quarter" idx="11"/>
-          </p:nvPr>
-        </p:nvSpPr>
-        <p:spPr/>
-        <p:txBody>
-          <a:bodyPr/>
-          <a:lstStyle/>
-          <a:p>
-            <a:r>
-              <a:rPr lang="en-US"/>
-              <a:t>Images are another element that can drive your point home even more</a:t>
-            </a:r>
-            <a:endParaRPr lang="en-US" dirty="0"/>
-          </a:p>
-        </p:txBody>
-      </p:sp>
-      <p:sp>
-        <p:nvSpPr>
-          <p:cNvPr id="12" name="Text Placeholder 11"/>
-          <p:cNvSpPr>
-            <a:spLocks noGrp="1"/>
-          </p:cNvSpPr>
-          <p:nvPr>
-            <p:ph type="body" sz="quarter" idx="12"/>
-          </p:nvPr>
-        </p:nvSpPr>
-        <p:spPr>
-          <a:xfrm>
-            <a:off x="5737094" y="499736"/>
-            <a:ext cx="792205" cy="1200329"/>
-          </a:xfrm>
-        </p:spPr>
-        <p:txBody>
-          <a:bodyPr/>
-          <a:lstStyle/>
-          <a:p>
-            <a:r>
-              <a:rPr lang="en-US" dirty="0"/>
-              <a:t>FACT</a:t>
-            </a:r>
-          </a:p>
-        </p:txBody>
-      </p:sp>
-    </p:spTree>
-    <p:extLst>
-      <p:ext uri="{BB962C8B-B14F-4D97-AF65-F5344CB8AC3E}">
-        <p14:creationId xmlns:p14="http://schemas.microsoft.com/office/powerpoint/2010/main" val="3248013837"/>
-      </p:ext>
-    </p:extLst>
-  </p:cSld>
-  <p:clrMapOvr>
-    <a:masterClrMapping/>
-  </p:clrMapOvr>
-  <mc:AlternateContent xmlns:mc="http://schemas.openxmlformats.org/markup-compatibility/2006" xmlns:p14="http://schemas.microsoft.com/office/powerpoint/2010/main">
-    <mc:Choice Requires="p14">
-      <p:transition spd="med" p14:dur="700">
-        <p:fade/>
-      </p:transition>
-    </mc:Choice>
-    <mc:Fallback xmlns="">
-      <p:transition spd="med">
-        <p:fade/>
-      </p:transition>
-    </mc:Fallback>
-  </mc:AlternateContent>
-</p:sld>
-</file>
-
-<file path=ppt/slides/slide8.xml><?xml version="1.0" encoding="utf-8"?>
-<p:sld xmlns:a="http://schemas.openxmlformats.org/drawingml/2006/main" xmlns:r="http://schemas.openxmlformats.org/officeDocument/2006/relationships" xmlns:p="http://schemas.openxmlformats.org/presentationml/2006/main">
-  <p:cSld>
-    <p:spTree>
-      <p:nvGrpSpPr>
-        <p:cNvPr id="1" name=""/>
-        <p:cNvGrpSpPr/>
-        <p:nvPr/>
-      </p:nvGrpSpPr>
-      <p:grpSpPr>
-        <a:xfrm>
-          <a:off x="0" y="0"/>
-          <a:ext cx="0" cy="0"/>
-          <a:chOff x="0" y="0"/>
-          <a:chExt cx="0" cy="0"/>
-        </a:xfrm>
-      </p:grpSpPr>
-      <p:sp>
-        <p:nvSpPr>
           <p:cNvPr id="7" name="Picture Placeholder 6">
             <a:extLst>
               <a:ext uri="{FF2B5EF4-FFF2-40B4-BE49-F238E27FC236}">
@@ -26870,7 +25117,7 @@
             <a:fld id="{5AE1514C-5E56-4738-A1FF-4B1CFD2A3E36}" type="slidenum">
               <a:rPr lang="en-US" smtClean="0"/>
               <a:pPr/>
-              <a:t>8</a:t>
+              <a:t>7</a:t>
             </a:fld>
             <a:endParaRPr lang="en-US"/>
           </a:p>
@@ -26909,30 +25156,38 @@
             <p:ph type="body" sz="quarter" idx="11"/>
           </p:nvPr>
         </p:nvSpPr>
-        <p:spPr/>
+        <p:spPr>
+          <a:xfrm>
+            <a:off x="0" y="2546129"/>
+            <a:ext cx="6096000" cy="3240887"/>
+          </a:xfrm>
+        </p:spPr>
         <p:txBody>
           <a:bodyPr/>
           <a:lstStyle/>
           <a:p>
             <a:r>
-              <a:rPr lang="en-US"/>
-              <a:t>PREPARE</a:t>
-            </a:r>
-          </a:p>
-          <a:p>
-            <a:pPr lvl="2"/>
-            <a:r>
-              <a:rPr lang="en-US"/>
-              <a:t>Why does this matter to your audience?</a:t>
-            </a:r>
-          </a:p>
-          <a:p>
-            <a:pPr lvl="3"/>
-            <a:r>
-              <a:rPr lang="en-US"/>
-              <a:t>Where are you taking them? </a:t>
-            </a:r>
-            <a:endParaRPr lang="en-US" dirty="0"/>
+              <a:rPr lang="en-US" dirty="0"/>
+              <a:t>Patients</a:t>
+            </a:r>
+          </a:p>
+          <a:p>
+            <a:r>
+              <a:rPr lang="en-US" dirty="0"/>
+              <a:t>Doctors</a:t>
+            </a:r>
+          </a:p>
+          <a:p>
+            <a:r>
+              <a:rPr lang="en-US" dirty="0"/>
+              <a:t>Pharmacies</a:t>
+            </a:r>
+          </a:p>
+          <a:p>
+            <a:r>
+              <a:rPr lang="en-US" dirty="0"/>
+              <a:t>First aid persons …</a:t>
+            </a:r>
           </a:p>
         </p:txBody>
       </p:sp>
@@ -26946,30 +25201,20 @@
             <p:ph type="body" sz="quarter" idx="19"/>
           </p:nvPr>
         </p:nvSpPr>
-        <p:spPr/>
+        <p:spPr>
+          <a:xfrm>
+            <a:off x="0" y="1554163"/>
+            <a:ext cx="6096000" cy="590931"/>
+          </a:xfrm>
+        </p:spPr>
         <p:txBody>
           <a:bodyPr/>
           <a:lstStyle/>
           <a:p>
             <a:r>
-              <a:rPr lang="en-US"/>
-              <a:t>Understand your brand </a:t>
-            </a:r>
-            <a:br>
-              <a:rPr lang="en-US"/>
-            </a:br>
-            <a:r>
-              <a:rPr lang="en-US"/>
-              <a:t>and audience; speak in </a:t>
-            </a:r>
-            <a:br>
-              <a:rPr lang="en-US"/>
-            </a:br>
-            <a:r>
-              <a:rPr lang="en-US"/>
-              <a:t>an authentic voice</a:t>
-            </a:r>
-            <a:endParaRPr lang="en-US" dirty="0"/>
+              <a:rPr lang="en-US" dirty="0"/>
+              <a:t>Different types of participants</a:t>
+            </a:r>
           </a:p>
         </p:txBody>
       </p:sp>
@@ -26989,7 +25234,7 @@
 </p:sld>
 </file>
 
-<file path=ppt/slides/slide9.xml><?xml version="1.0" encoding="utf-8"?>
+<file path=ppt/slides/slide8.xml><?xml version="1.0" encoding="utf-8"?>
 <p:sld xmlns:a="http://schemas.openxmlformats.org/drawingml/2006/main" xmlns:r="http://schemas.openxmlformats.org/officeDocument/2006/relationships" xmlns:p="http://schemas.openxmlformats.org/presentationml/2006/main">
   <p:cSld>
     <p:spTree>
@@ -27028,21 +25273,40 @@
             <p:ph type="body" sz="quarter" idx="11"/>
           </p:nvPr>
         </p:nvSpPr>
-        <p:spPr/>
+        <p:spPr>
+          <a:xfrm>
+            <a:off x="6094443" y="3425619"/>
+            <a:ext cx="6097555" cy="2742289"/>
+          </a:xfrm>
+        </p:spPr>
         <p:txBody>
           <a:bodyPr/>
           <a:lstStyle/>
           <a:p>
             <a:r>
               <a:rPr lang="en-US" dirty="0"/>
-              <a:t>DEFINE</a:t>
+              <a:t>Concerning patients</a:t>
             </a:r>
           </a:p>
           <a:p>
             <a:pPr lvl="2"/>
             <a:r>
               <a:rPr lang="en-US" dirty="0"/>
-              <a:t>Who | What | Where | When | Why</a:t>
+              <a:t>Authorize/Revoke Access</a:t>
+            </a:r>
+          </a:p>
+          <a:p>
+            <a:pPr lvl="2"/>
+            <a:r>
+              <a:rPr lang="en-US" dirty="0"/>
+              <a:t>(+ In case of Emergency)</a:t>
+            </a:r>
+          </a:p>
+          <a:p>
+            <a:pPr lvl="2"/>
+            <a:r>
+              <a:rPr lang="en-US" dirty="0"/>
+              <a:t>Add Report/Modify Report</a:t>
             </a:r>
           </a:p>
         </p:txBody>
@@ -27057,23 +25321,20 @@
             <p:ph type="body" sz="quarter" idx="19"/>
           </p:nvPr>
         </p:nvSpPr>
-        <p:spPr/>
+        <p:spPr>
+          <a:xfrm>
+            <a:off x="6094443" y="1554163"/>
+            <a:ext cx="6097556" cy="590931"/>
+          </a:xfrm>
+        </p:spPr>
         <p:txBody>
           <a:bodyPr/>
           <a:lstStyle/>
           <a:p>
             <a:r>
-              <a:rPr lang="en-US"/>
-              <a:t>Get your facts straight </a:t>
-            </a:r>
-            <a:br>
-              <a:rPr lang="en-US"/>
-            </a:br>
-            <a:r>
-              <a:rPr lang="en-US"/>
-              <a:t>with 5 W’s</a:t>
-            </a:r>
-            <a:endParaRPr lang="en-US" dirty="0"/>
+              <a:rPr lang="en-US" dirty="0"/>
+              <a:t>Transactions</a:t>
+            </a:r>
           </a:p>
         </p:txBody>
       </p:sp>
@@ -27122,7 +25383,7 @@
             <a:fld id="{5AE1514C-5E56-4738-A1FF-4B1CFD2A3E36}" type="slidenum">
               <a:rPr lang="en-US" smtClean="0"/>
               <a:pPr/>
-              <a:t>9</a:t>
+              <a:t>8</a:t>
             </a:fld>
             <a:endParaRPr lang="en-US"/>
           </a:p>
@@ -27141,6 +25402,128 @@
   <p:transition spd="slow">
     <p:push/>
   </p:transition>
+</p:sld>
+</file>
+
+<file path=ppt/slides/slide9.xml><?xml version="1.0" encoding="utf-8"?>
+<p:sld xmlns:a="http://schemas.openxmlformats.org/drawingml/2006/main" xmlns:r="http://schemas.openxmlformats.org/officeDocument/2006/relationships" xmlns:p="http://schemas.openxmlformats.org/presentationml/2006/main">
+  <p:cSld>
+    <p:spTree>
+      <p:nvGrpSpPr>
+        <p:cNvPr id="1" name=""/>
+        <p:cNvGrpSpPr/>
+        <p:nvPr/>
+      </p:nvGrpSpPr>
+      <p:grpSpPr>
+        <a:xfrm>
+          <a:off x="0" y="0"/>
+          <a:ext cx="0" cy="0"/>
+          <a:chOff x="0" y="0"/>
+          <a:chExt cx="0" cy="0"/>
+        </a:xfrm>
+      </p:grpSpPr>
+      <p:sp>
+        <p:nvSpPr>
+          <p:cNvPr id="9" name="Title 8"/>
+          <p:cNvSpPr>
+            <a:spLocks noGrp="1"/>
+          </p:cNvSpPr>
+          <p:nvPr>
+            <p:ph type="title"/>
+          </p:nvPr>
+        </p:nvSpPr>
+        <p:spPr/>
+        <p:txBody>
+          <a:bodyPr/>
+          <a:lstStyle/>
+          <a:p>
+            <a:r>
+              <a:rPr lang="en-US" sz="3600" dirty="0" err="1"/>
+              <a:t>Hyperledger</a:t>
+            </a:r>
+            <a:r>
+              <a:rPr lang="en-US" sz="3600" dirty="0"/>
+              <a:t> Composer Demo</a:t>
+            </a:r>
+            <a:endParaRPr lang="en-US" sz="3600" dirty="0">
+              <a:solidFill>
+                <a:schemeClr val="accent1"/>
+              </a:solidFill>
+            </a:endParaRPr>
+          </a:p>
+        </p:txBody>
+      </p:sp>
+      <p:sp>
+        <p:nvSpPr>
+          <p:cNvPr id="11" name="Text Placeholder 10"/>
+          <p:cNvSpPr>
+            <a:spLocks noGrp="1"/>
+          </p:cNvSpPr>
+          <p:nvPr>
+            <p:ph type="body" sz="quarter" idx="11"/>
+          </p:nvPr>
+        </p:nvSpPr>
+        <p:spPr/>
+        <p:txBody>
+          <a:bodyPr/>
+          <a:lstStyle/>
+          <a:p>
+            <a:r>
+              <a:rPr lang="en-US" dirty="0"/>
+              <a:t>Some transactions concerning a patient</a:t>
+            </a:r>
+          </a:p>
+        </p:txBody>
+      </p:sp>
+      <p:sp>
+        <p:nvSpPr>
+          <p:cNvPr id="12" name="Text Placeholder 11"/>
+          <p:cNvSpPr>
+            <a:spLocks noGrp="1"/>
+          </p:cNvSpPr>
+          <p:nvPr>
+            <p:ph type="body" sz="quarter" idx="12"/>
+          </p:nvPr>
+        </p:nvSpPr>
+        <p:spPr>
+          <a:xfrm>
+            <a:off x="4509195" y="499736"/>
+            <a:ext cx="3248005" cy="1200329"/>
+          </a:xfrm>
+        </p:spPr>
+        <p:txBody>
+          <a:bodyPr/>
+          <a:lstStyle/>
+          <a:p>
+            <a:r>
+              <a:rPr lang="en-US" dirty="0"/>
+              <a:t>DEMO</a:t>
+            </a:r>
+          </a:p>
+        </p:txBody>
+      </p:sp>
+    </p:spTree>
+    <p:extLst>
+      <p:ext uri="{BB962C8B-B14F-4D97-AF65-F5344CB8AC3E}">
+        <p14:creationId xmlns:p14="http://schemas.microsoft.com/office/powerpoint/2010/main" val="3248013837"/>
+      </p:ext>
+    </p:extLst>
+  </p:cSld>
+  <p:clrMapOvr>
+    <a:masterClrMapping/>
+  </p:clrMapOvr>
+  <mc:AlternateContent xmlns:mc="http://schemas.openxmlformats.org/markup-compatibility/2006">
+    <mc:Choice xmlns:p14="http://schemas.microsoft.com/office/powerpoint/2010/main" Requires="p14">
+      <p:transition spd="med" p14:dur="700">
+        <p:fade/>
+      </p:transition>
+    </mc:Choice>
+    <mc:Fallback>
+      <p:transition spd="med">
+        <p:fade/>
+      </p:transition>
+    </mc:Fallback>
+  </mc:AlternateContent>
 </p:sld>
 </file>
 
